--- a/7. 조합.pptx
+++ b/7. 조합.pptx
@@ -211,7 +211,7 @@
           <a:p>
             <a:fld id="{FCBFEA3A-808A-4DDB-80B4-5C580BEB0442}" type="datetimeFigureOut">
               <a:rPr lang="ko-KR" altLang="en-US" smtClean="0"/>
-              <a:t>2024-06-02</a:t>
+              <a:t>2024-06-03</a:t>
             </a:fld>
             <a:endParaRPr lang="ko-KR" altLang="en-US"/>
           </a:p>
@@ -625,7 +625,7 @@
           <a:p>
             <a:fld id="{677507D8-D4A6-4199-95F8-A88CEE2E987D}" type="datetimeFigureOut">
               <a:rPr lang="ko-KR" altLang="en-US" smtClean="0"/>
-              <a:t>2024-06-02</a:t>
+              <a:t>2024-06-03</a:t>
             </a:fld>
             <a:endParaRPr lang="ko-KR" altLang="en-US"/>
           </a:p>
@@ -823,7 +823,7 @@
           <a:p>
             <a:fld id="{677507D8-D4A6-4199-95F8-A88CEE2E987D}" type="datetimeFigureOut">
               <a:rPr lang="ko-KR" altLang="en-US" smtClean="0"/>
-              <a:t>2024-06-02</a:t>
+              <a:t>2024-06-03</a:t>
             </a:fld>
             <a:endParaRPr lang="ko-KR" altLang="en-US"/>
           </a:p>
@@ -1031,7 +1031,7 @@
           <a:p>
             <a:fld id="{677507D8-D4A6-4199-95F8-A88CEE2E987D}" type="datetimeFigureOut">
               <a:rPr lang="ko-KR" altLang="en-US" smtClean="0"/>
-              <a:t>2024-06-02</a:t>
+              <a:t>2024-06-03</a:t>
             </a:fld>
             <a:endParaRPr lang="ko-KR" altLang="en-US"/>
           </a:p>
@@ -1229,7 +1229,7 @@
           <a:p>
             <a:fld id="{677507D8-D4A6-4199-95F8-A88CEE2E987D}" type="datetimeFigureOut">
               <a:rPr lang="ko-KR" altLang="en-US" smtClean="0"/>
-              <a:t>2024-06-02</a:t>
+              <a:t>2024-06-03</a:t>
             </a:fld>
             <a:endParaRPr lang="ko-KR" altLang="en-US"/>
           </a:p>
@@ -1504,7 +1504,7 @@
           <a:p>
             <a:fld id="{677507D8-D4A6-4199-95F8-A88CEE2E987D}" type="datetimeFigureOut">
               <a:rPr lang="ko-KR" altLang="en-US" smtClean="0"/>
-              <a:t>2024-06-02</a:t>
+              <a:t>2024-06-03</a:t>
             </a:fld>
             <a:endParaRPr lang="ko-KR" altLang="en-US"/>
           </a:p>
@@ -1769,7 +1769,7 @@
           <a:p>
             <a:fld id="{677507D8-D4A6-4199-95F8-A88CEE2E987D}" type="datetimeFigureOut">
               <a:rPr lang="ko-KR" altLang="en-US" smtClean="0"/>
-              <a:t>2024-06-02</a:t>
+              <a:t>2024-06-03</a:t>
             </a:fld>
             <a:endParaRPr lang="ko-KR" altLang="en-US"/>
           </a:p>
@@ -2181,7 +2181,7 @@
           <a:p>
             <a:fld id="{677507D8-D4A6-4199-95F8-A88CEE2E987D}" type="datetimeFigureOut">
               <a:rPr lang="ko-KR" altLang="en-US" smtClean="0"/>
-              <a:t>2024-06-02</a:t>
+              <a:t>2024-06-03</a:t>
             </a:fld>
             <a:endParaRPr lang="ko-KR" altLang="en-US"/>
           </a:p>
@@ -2322,7 +2322,7 @@
           <a:p>
             <a:fld id="{677507D8-D4A6-4199-95F8-A88CEE2E987D}" type="datetimeFigureOut">
               <a:rPr lang="ko-KR" altLang="en-US" smtClean="0"/>
-              <a:t>2024-06-02</a:t>
+              <a:t>2024-06-03</a:t>
             </a:fld>
             <a:endParaRPr lang="ko-KR" altLang="en-US"/>
           </a:p>
@@ -2435,7 +2435,7 @@
           <a:p>
             <a:fld id="{677507D8-D4A6-4199-95F8-A88CEE2E987D}" type="datetimeFigureOut">
               <a:rPr lang="ko-KR" altLang="en-US" smtClean="0"/>
-              <a:t>2024-06-02</a:t>
+              <a:t>2024-06-03</a:t>
             </a:fld>
             <a:endParaRPr lang="ko-KR" altLang="en-US"/>
           </a:p>
@@ -2746,7 +2746,7 @@
           <a:p>
             <a:fld id="{677507D8-D4A6-4199-95F8-A88CEE2E987D}" type="datetimeFigureOut">
               <a:rPr lang="ko-KR" altLang="en-US" smtClean="0"/>
-              <a:t>2024-06-02</a:t>
+              <a:t>2024-06-03</a:t>
             </a:fld>
             <a:endParaRPr lang="ko-KR" altLang="en-US"/>
           </a:p>
@@ -3034,7 +3034,7 @@
           <a:p>
             <a:fld id="{677507D8-D4A6-4199-95F8-A88CEE2E987D}" type="datetimeFigureOut">
               <a:rPr lang="ko-KR" altLang="en-US" smtClean="0"/>
-              <a:t>2024-06-02</a:t>
+              <a:t>2024-06-03</a:t>
             </a:fld>
             <a:endParaRPr lang="ko-KR" altLang="en-US"/>
           </a:p>
@@ -3275,7 +3275,7 @@
           <a:p>
             <a:fld id="{677507D8-D4A6-4199-95F8-A88CEE2E987D}" type="datetimeFigureOut">
               <a:rPr lang="ko-KR" altLang="en-US" smtClean="0"/>
-              <a:t>2024-06-02</a:t>
+              <a:t>2024-06-03</a:t>
             </a:fld>
             <a:endParaRPr lang="ko-KR" altLang="en-US"/>
           </a:p>

--- a/7. 조합.pptx
+++ b/7. 조합.pptx
@@ -211,7 +211,7 @@
           <a:p>
             <a:fld id="{FCBFEA3A-808A-4DDB-80B4-5C580BEB0442}" type="datetimeFigureOut">
               <a:rPr lang="ko-KR" altLang="en-US" smtClean="0"/>
-              <a:t>2024-06-03</a:t>
+              <a:t>2024-06-11</a:t>
             </a:fld>
             <a:endParaRPr lang="ko-KR" altLang="en-US"/>
           </a:p>
@@ -625,7 +625,7 @@
           <a:p>
             <a:fld id="{677507D8-D4A6-4199-95F8-A88CEE2E987D}" type="datetimeFigureOut">
               <a:rPr lang="ko-KR" altLang="en-US" smtClean="0"/>
-              <a:t>2024-06-03</a:t>
+              <a:t>2024-06-11</a:t>
             </a:fld>
             <a:endParaRPr lang="ko-KR" altLang="en-US"/>
           </a:p>
@@ -823,7 +823,7 @@
           <a:p>
             <a:fld id="{677507D8-D4A6-4199-95F8-A88CEE2E987D}" type="datetimeFigureOut">
               <a:rPr lang="ko-KR" altLang="en-US" smtClean="0"/>
-              <a:t>2024-06-03</a:t>
+              <a:t>2024-06-11</a:t>
             </a:fld>
             <a:endParaRPr lang="ko-KR" altLang="en-US"/>
           </a:p>
@@ -1031,7 +1031,7 @@
           <a:p>
             <a:fld id="{677507D8-D4A6-4199-95F8-A88CEE2E987D}" type="datetimeFigureOut">
               <a:rPr lang="ko-KR" altLang="en-US" smtClean="0"/>
-              <a:t>2024-06-03</a:t>
+              <a:t>2024-06-11</a:t>
             </a:fld>
             <a:endParaRPr lang="ko-KR" altLang="en-US"/>
           </a:p>
@@ -1229,7 +1229,7 @@
           <a:p>
             <a:fld id="{677507D8-D4A6-4199-95F8-A88CEE2E987D}" type="datetimeFigureOut">
               <a:rPr lang="ko-KR" altLang="en-US" smtClean="0"/>
-              <a:t>2024-06-03</a:t>
+              <a:t>2024-06-11</a:t>
             </a:fld>
             <a:endParaRPr lang="ko-KR" altLang="en-US"/>
           </a:p>
@@ -1504,7 +1504,7 @@
           <a:p>
             <a:fld id="{677507D8-D4A6-4199-95F8-A88CEE2E987D}" type="datetimeFigureOut">
               <a:rPr lang="ko-KR" altLang="en-US" smtClean="0"/>
-              <a:t>2024-06-03</a:t>
+              <a:t>2024-06-11</a:t>
             </a:fld>
             <a:endParaRPr lang="ko-KR" altLang="en-US"/>
           </a:p>
@@ -1769,7 +1769,7 @@
           <a:p>
             <a:fld id="{677507D8-D4A6-4199-95F8-A88CEE2E987D}" type="datetimeFigureOut">
               <a:rPr lang="ko-KR" altLang="en-US" smtClean="0"/>
-              <a:t>2024-06-03</a:t>
+              <a:t>2024-06-11</a:t>
             </a:fld>
             <a:endParaRPr lang="ko-KR" altLang="en-US"/>
           </a:p>
@@ -2181,7 +2181,7 @@
           <a:p>
             <a:fld id="{677507D8-D4A6-4199-95F8-A88CEE2E987D}" type="datetimeFigureOut">
               <a:rPr lang="ko-KR" altLang="en-US" smtClean="0"/>
-              <a:t>2024-06-03</a:t>
+              <a:t>2024-06-11</a:t>
             </a:fld>
             <a:endParaRPr lang="ko-KR" altLang="en-US"/>
           </a:p>
@@ -2322,7 +2322,7 @@
           <a:p>
             <a:fld id="{677507D8-D4A6-4199-95F8-A88CEE2E987D}" type="datetimeFigureOut">
               <a:rPr lang="ko-KR" altLang="en-US" smtClean="0"/>
-              <a:t>2024-06-03</a:t>
+              <a:t>2024-06-11</a:t>
             </a:fld>
             <a:endParaRPr lang="ko-KR" altLang="en-US"/>
           </a:p>
@@ -2435,7 +2435,7 @@
           <a:p>
             <a:fld id="{677507D8-D4A6-4199-95F8-A88CEE2E987D}" type="datetimeFigureOut">
               <a:rPr lang="ko-KR" altLang="en-US" smtClean="0"/>
-              <a:t>2024-06-03</a:t>
+              <a:t>2024-06-11</a:t>
             </a:fld>
             <a:endParaRPr lang="ko-KR" altLang="en-US"/>
           </a:p>
@@ -2746,7 +2746,7 @@
           <a:p>
             <a:fld id="{677507D8-D4A6-4199-95F8-A88CEE2E987D}" type="datetimeFigureOut">
               <a:rPr lang="ko-KR" altLang="en-US" smtClean="0"/>
-              <a:t>2024-06-03</a:t>
+              <a:t>2024-06-11</a:t>
             </a:fld>
             <a:endParaRPr lang="ko-KR" altLang="en-US"/>
           </a:p>
@@ -3034,7 +3034,7 @@
           <a:p>
             <a:fld id="{677507D8-D4A6-4199-95F8-A88CEE2E987D}" type="datetimeFigureOut">
               <a:rPr lang="ko-KR" altLang="en-US" smtClean="0"/>
-              <a:t>2024-06-03</a:t>
+              <a:t>2024-06-11</a:t>
             </a:fld>
             <a:endParaRPr lang="ko-KR" altLang="en-US"/>
           </a:p>
@@ -3275,7 +3275,7 @@
           <a:p>
             <a:fld id="{677507D8-D4A6-4199-95F8-A88CEE2E987D}" type="datetimeFigureOut">
               <a:rPr lang="ko-KR" altLang="en-US" smtClean="0"/>
-              <a:t>2024-06-03</a:t>
+              <a:t>2024-06-11</a:t>
             </a:fld>
             <a:endParaRPr lang="ko-KR" altLang="en-US"/>
           </a:p>
